--- a/materi/Logika Informatika-06.pptx
+++ b/materi/Logika Informatika-06.pptx
@@ -208,7 +208,7 @@
             <a:fld id="{C27D4045-E2B4-438D-A456-DBF84F597F41}" type="datetimeFigureOut">
               <a:rPr lang="en-US" smtClean="0"/>
               <a:pPr/>
-              <a:t>10/28/2014</a:t>
+              <a:t>11/11/2015</a:t>
             </a:fld>
             <a:endParaRPr lang="en-US"/>
           </a:p>
@@ -1968,7 +1968,7 @@
             <a:fld id="{1D8BD707-D9CF-40AE-B4C6-C98DA3205C09}" type="datetimeFigureOut">
               <a:rPr lang="en-US" smtClean="0"/>
               <a:pPr/>
-              <a:t>10/28/2014</a:t>
+              <a:t>11/11/2015</a:t>
             </a:fld>
             <a:endParaRPr lang="en-US"/>
           </a:p>
@@ -2135,7 +2135,7 @@
             <a:fld id="{1D8BD707-D9CF-40AE-B4C6-C98DA3205C09}" type="datetimeFigureOut">
               <a:rPr lang="en-US" smtClean="0"/>
               <a:pPr/>
-              <a:t>10/28/2014</a:t>
+              <a:t>11/11/2015</a:t>
             </a:fld>
             <a:endParaRPr lang="en-US"/>
           </a:p>
@@ -2312,7 +2312,7 @@
             <a:fld id="{1D8BD707-D9CF-40AE-B4C6-C98DA3205C09}" type="datetimeFigureOut">
               <a:rPr lang="en-US" smtClean="0"/>
               <a:pPr/>
-              <a:t>10/28/2014</a:t>
+              <a:t>11/11/2015</a:t>
             </a:fld>
             <a:endParaRPr lang="en-US"/>
           </a:p>
@@ -2479,7 +2479,7 @@
             <a:fld id="{1D8BD707-D9CF-40AE-B4C6-C98DA3205C09}" type="datetimeFigureOut">
               <a:rPr lang="en-US" smtClean="0"/>
               <a:pPr/>
-              <a:t>10/28/2014</a:t>
+              <a:t>11/11/2015</a:t>
             </a:fld>
             <a:endParaRPr lang="en-US"/>
           </a:p>
@@ -2722,7 +2722,7 @@
             <a:fld id="{1D8BD707-D9CF-40AE-B4C6-C98DA3205C09}" type="datetimeFigureOut">
               <a:rPr lang="en-US" smtClean="0"/>
               <a:pPr/>
-              <a:t>10/28/2014</a:t>
+              <a:t>11/11/2015</a:t>
             </a:fld>
             <a:endParaRPr lang="en-US"/>
           </a:p>
@@ -3007,7 +3007,7 @@
             <a:fld id="{1D8BD707-D9CF-40AE-B4C6-C98DA3205C09}" type="datetimeFigureOut">
               <a:rPr lang="en-US" smtClean="0"/>
               <a:pPr/>
-              <a:t>10/28/2014</a:t>
+              <a:t>11/11/2015</a:t>
             </a:fld>
             <a:endParaRPr lang="en-US"/>
           </a:p>
@@ -3426,7 +3426,7 @@
             <a:fld id="{1D8BD707-D9CF-40AE-B4C6-C98DA3205C09}" type="datetimeFigureOut">
               <a:rPr lang="en-US" smtClean="0"/>
               <a:pPr/>
-              <a:t>10/28/2014</a:t>
+              <a:t>11/11/2015</a:t>
             </a:fld>
             <a:endParaRPr lang="en-US"/>
           </a:p>
@@ -3541,7 +3541,7 @@
             <a:fld id="{1D8BD707-D9CF-40AE-B4C6-C98DA3205C09}" type="datetimeFigureOut">
               <a:rPr lang="en-US" smtClean="0"/>
               <a:pPr/>
-              <a:t>10/28/2014</a:t>
+              <a:t>11/11/2015</a:t>
             </a:fld>
             <a:endParaRPr lang="en-US"/>
           </a:p>
@@ -3633,7 +3633,7 @@
             <a:fld id="{1D8BD707-D9CF-40AE-B4C6-C98DA3205C09}" type="datetimeFigureOut">
               <a:rPr lang="en-US" smtClean="0"/>
               <a:pPr/>
-              <a:t>10/28/2014</a:t>
+              <a:t>11/11/2015</a:t>
             </a:fld>
             <a:endParaRPr lang="en-US"/>
           </a:p>
@@ -3907,7 +3907,7 @@
             <a:fld id="{1D8BD707-D9CF-40AE-B4C6-C98DA3205C09}" type="datetimeFigureOut">
               <a:rPr lang="en-US" smtClean="0"/>
               <a:pPr/>
-              <a:t>10/28/2014</a:t>
+              <a:t>11/11/2015</a:t>
             </a:fld>
             <a:endParaRPr lang="en-US"/>
           </a:p>
@@ -4157,7 +4157,7 @@
             <a:fld id="{1D8BD707-D9CF-40AE-B4C6-C98DA3205C09}" type="datetimeFigureOut">
               <a:rPr lang="en-US" smtClean="0"/>
               <a:pPr/>
-              <a:t>10/28/2014</a:t>
+              <a:t>11/11/2015</a:t>
             </a:fld>
             <a:endParaRPr lang="en-US"/>
           </a:p>
@@ -4367,7 +4367,7 @@
             <a:fld id="{1D8BD707-D9CF-40AE-B4C6-C98DA3205C09}" type="datetimeFigureOut">
               <a:rPr lang="en-US" smtClean="0"/>
               <a:pPr/>
-              <a:t>10/28/2014</a:t>
+              <a:t>11/11/2015</a:t>
             </a:fld>
             <a:endParaRPr lang="en-US"/>
           </a:p>
@@ -15645,11 +15645,7 @@
             </a:pPr>
             <a:r>
               <a:rPr lang="en-US" sz="2400" dirty="0" smtClean="0"/>
-              <a:t>f' </a:t>
-            </a:r>
-            <a:r>
-              <a:rPr lang="en-US" sz="2400" dirty="0" smtClean="0"/>
-              <a:t>= (m</a:t>
+              <a:t>f' = (m</a:t>
             </a:r>
             <a:r>
               <a:rPr lang="en-US" sz="2400" baseline="-25000" dirty="0" smtClean="0"/>
@@ -24550,7 +24546,7 @@
             <p:nvPr/>
           </p:nvPicPr>
           <p:blipFill>
-            <a:blip r:embed="rId3"/>
+            <a:blip r:embed="rId3" cstate="print"/>
             <a:stretch>
               <a:fillRect/>
             </a:stretch>
@@ -24802,7 +24798,7 @@
         </p:nvSpPr>
         <p:spPr>
           <a:xfrm>
-            <a:off x="304800" y="1036637"/>
+            <a:off x="304800" y="1798637"/>
             <a:ext cx="6934200" cy="4525963"/>
           </a:xfrm>
           <a:prstGeom prst="rect">
@@ -26444,7 +26440,7 @@
             <p:nvPr/>
           </p:nvPicPr>
           <p:blipFill>
-            <a:blip r:embed="rId3"/>
+            <a:blip r:embed="rId3" cstate="print"/>
             <a:stretch>
               <a:fillRect/>
             </a:stretch>
@@ -26460,6 +26456,416 @@
           </p:spPr>
         </p:pic>
       </p:grpSp>
+      <p:sp>
+        <p:nvSpPr>
+          <p:cNvPr id="22" name="Rectangle 21"/>
+          <p:cNvSpPr/>
+          <p:nvPr/>
+        </p:nvSpPr>
+        <p:spPr>
+          <a:xfrm>
+            <a:off x="5791200" y="533400"/>
+            <a:ext cx="1077538" cy="369332"/>
+          </a:xfrm>
+          <a:prstGeom prst="rect">
+            <a:avLst/>
+          </a:prstGeom>
+        </p:spPr>
+        <p:txBody>
+          <a:bodyPr wrap="none">
+            <a:spAutoFit/>
+          </a:bodyPr>
+          <a:lstStyle/>
+          <a:p>
+            <a:pPr algn="ctr"/>
+            <a:r>
+              <a:rPr lang="en-US" b="1" dirty="0" smtClean="0">
+                <a:solidFill>
+                  <a:srgbClr val="FF0000"/>
+                </a:solidFill>
+              </a:rPr>
+              <a:t>(</a:t>
+            </a:r>
+            <a:r>
+              <a:rPr lang="en-US" b="1" i="1" dirty="0" smtClean="0">
+                <a:solidFill>
+                  <a:srgbClr val="FF0000"/>
+                </a:solidFill>
+              </a:rPr>
+              <a:t>x</a:t>
+            </a:r>
+            <a:r>
+              <a:rPr lang="en-US" b="1" dirty="0" smtClean="0">
+                <a:solidFill>
+                  <a:srgbClr val="FF0000"/>
+                </a:solidFill>
+              </a:rPr>
+              <a:t> + </a:t>
+            </a:r>
+            <a:r>
+              <a:rPr lang="en-US" b="1" i="1" dirty="0" smtClean="0">
+                <a:solidFill>
+                  <a:srgbClr val="FF0000"/>
+                </a:solidFill>
+              </a:rPr>
+              <a:t>y</a:t>
+            </a:r>
+            <a:r>
+              <a:rPr lang="en-US" b="1" dirty="0" smtClean="0">
+                <a:solidFill>
+                  <a:srgbClr val="FF0000"/>
+                </a:solidFill>
+              </a:rPr>
+              <a:t> + </a:t>
+            </a:r>
+            <a:r>
+              <a:rPr lang="en-US" b="1" i="1" dirty="0" smtClean="0">
+                <a:solidFill>
+                  <a:srgbClr val="FF0000"/>
+                </a:solidFill>
+              </a:rPr>
+              <a:t>z</a:t>
+            </a:r>
+            <a:r>
+              <a:rPr lang="en-US" b="1" dirty="0" smtClean="0">
+                <a:solidFill>
+                  <a:srgbClr val="FF0000"/>
+                </a:solidFill>
+              </a:rPr>
+              <a:t>)</a:t>
+            </a:r>
+            <a:endParaRPr lang="en-US" dirty="0" smtClean="0"/>
+          </a:p>
+        </p:txBody>
+      </p:sp>
+      <p:sp>
+        <p:nvSpPr>
+          <p:cNvPr id="23" name="Rectangle 22"/>
+          <p:cNvSpPr/>
+          <p:nvPr/>
+        </p:nvSpPr>
+        <p:spPr>
+          <a:xfrm>
+            <a:off x="5886200" y="926275"/>
+            <a:ext cx="1083951" cy="369332"/>
+          </a:xfrm>
+          <a:prstGeom prst="rect">
+            <a:avLst/>
+          </a:prstGeom>
+        </p:spPr>
+        <p:txBody>
+          <a:bodyPr wrap="none">
+            <a:spAutoFit/>
+          </a:bodyPr>
+          <a:lstStyle/>
+          <a:p>
+            <a:r>
+              <a:rPr lang="en-US" b="1" dirty="0" smtClean="0">
+                <a:solidFill>
+                  <a:srgbClr val="00B050"/>
+                </a:solidFill>
+              </a:rPr>
+              <a:t>(</a:t>
+            </a:r>
+            <a:r>
+              <a:rPr lang="en-US" b="1" i="1" dirty="0" smtClean="0">
+                <a:solidFill>
+                  <a:srgbClr val="00B050"/>
+                </a:solidFill>
+              </a:rPr>
+              <a:t>x</a:t>
+            </a:r>
+            <a:r>
+              <a:rPr lang="en-US" b="1" dirty="0" smtClean="0">
+                <a:solidFill>
+                  <a:srgbClr val="00B050"/>
+                </a:solidFill>
+              </a:rPr>
+              <a:t> + </a:t>
+            </a:r>
+            <a:r>
+              <a:rPr lang="en-US" b="1" i="1" dirty="0" smtClean="0">
+                <a:solidFill>
+                  <a:srgbClr val="00B050"/>
+                </a:solidFill>
+              </a:rPr>
+              <a:t>y</a:t>
+            </a:r>
+            <a:r>
+              <a:rPr lang="en-US" b="1" dirty="0" smtClean="0">
+                <a:solidFill>
+                  <a:srgbClr val="00B050"/>
+                </a:solidFill>
+              </a:rPr>
+              <a:t>’+ </a:t>
+            </a:r>
+            <a:r>
+              <a:rPr lang="en-US" b="1" i="1" dirty="0" smtClean="0">
+                <a:solidFill>
+                  <a:srgbClr val="00B050"/>
+                </a:solidFill>
+              </a:rPr>
+              <a:t>z</a:t>
+            </a:r>
+            <a:r>
+              <a:rPr lang="en-US" b="1" dirty="0" smtClean="0">
+                <a:solidFill>
+                  <a:srgbClr val="00B050"/>
+                </a:solidFill>
+              </a:rPr>
+              <a:t>)</a:t>
+            </a:r>
+            <a:endParaRPr lang="id-ID" dirty="0"/>
+          </a:p>
+        </p:txBody>
+      </p:sp>
+      <p:sp>
+        <p:nvSpPr>
+          <p:cNvPr id="24" name="Rectangle 23"/>
+          <p:cNvSpPr/>
+          <p:nvPr/>
+        </p:nvSpPr>
+        <p:spPr>
+          <a:xfrm>
+            <a:off x="5791200" y="1219200"/>
+            <a:ext cx="1143262" cy="369332"/>
+          </a:xfrm>
+          <a:prstGeom prst="rect">
+            <a:avLst/>
+          </a:prstGeom>
+        </p:spPr>
+        <p:txBody>
+          <a:bodyPr wrap="none">
+            <a:spAutoFit/>
+          </a:bodyPr>
+          <a:lstStyle/>
+          <a:p>
+            <a:r>
+              <a:rPr lang="en-US" b="1" dirty="0" smtClean="0">
+                <a:solidFill>
+                  <a:srgbClr val="FFC000"/>
+                </a:solidFill>
+              </a:rPr>
+              <a:t>(</a:t>
+            </a:r>
+            <a:r>
+              <a:rPr lang="en-US" b="1" i="1" dirty="0" smtClean="0">
+                <a:solidFill>
+                  <a:srgbClr val="FFC000"/>
+                </a:solidFill>
+              </a:rPr>
+              <a:t>x</a:t>
+            </a:r>
+            <a:r>
+              <a:rPr lang="en-US" b="1" dirty="0" smtClean="0">
+                <a:solidFill>
+                  <a:srgbClr val="FFC000"/>
+                </a:solidFill>
+              </a:rPr>
+              <a:t> + </a:t>
+            </a:r>
+            <a:r>
+              <a:rPr lang="en-US" b="1" i="1" dirty="0" smtClean="0">
+                <a:solidFill>
+                  <a:srgbClr val="FFC000"/>
+                </a:solidFill>
+              </a:rPr>
+              <a:t>y</a:t>
+            </a:r>
+            <a:r>
+              <a:rPr lang="en-US" b="1" dirty="0" smtClean="0">
+                <a:solidFill>
+                  <a:srgbClr val="FFC000"/>
+                </a:solidFill>
+              </a:rPr>
+              <a:t>’+ </a:t>
+            </a:r>
+            <a:r>
+              <a:rPr lang="en-US" b="1" i="1" dirty="0" smtClean="0">
+                <a:solidFill>
+                  <a:srgbClr val="FFC000"/>
+                </a:solidFill>
+              </a:rPr>
+              <a:t>z</a:t>
+            </a:r>
+            <a:r>
+              <a:rPr lang="en-US" b="1" dirty="0" smtClean="0">
+                <a:solidFill>
+                  <a:srgbClr val="FFC000"/>
+                </a:solidFill>
+              </a:rPr>
+              <a:t>’)</a:t>
+            </a:r>
+            <a:endParaRPr lang="id-ID" dirty="0"/>
+          </a:p>
+        </p:txBody>
+      </p:sp>
+      <p:sp>
+        <p:nvSpPr>
+          <p:cNvPr id="25" name="Rectangle 24"/>
+          <p:cNvSpPr/>
+          <p:nvPr/>
+        </p:nvSpPr>
+        <p:spPr>
+          <a:xfrm>
+            <a:off x="5715000" y="1600200"/>
+            <a:ext cx="1196161" cy="369332"/>
+          </a:xfrm>
+          <a:prstGeom prst="rect">
+            <a:avLst/>
+          </a:prstGeom>
+        </p:spPr>
+        <p:txBody>
+          <a:bodyPr wrap="none">
+            <a:spAutoFit/>
+          </a:bodyPr>
+          <a:lstStyle/>
+          <a:p>
+            <a:r>
+              <a:rPr lang="en-US" b="1" i="1" dirty="0" smtClean="0"/>
+              <a:t> </a:t>
+            </a:r>
+            <a:r>
+              <a:rPr lang="en-US" b="1" dirty="0" smtClean="0">
+                <a:solidFill>
+                  <a:srgbClr val="00B0F0"/>
+                </a:solidFill>
+              </a:rPr>
+              <a:t>(</a:t>
+            </a:r>
+            <a:r>
+              <a:rPr lang="en-US" b="1" i="1" dirty="0" smtClean="0">
+                <a:solidFill>
+                  <a:srgbClr val="00B0F0"/>
+                </a:solidFill>
+              </a:rPr>
+              <a:t>x</a:t>
+            </a:r>
+            <a:r>
+              <a:rPr lang="en-US" b="1" dirty="0" smtClean="0">
+                <a:solidFill>
+                  <a:srgbClr val="00B0F0"/>
+                </a:solidFill>
+              </a:rPr>
+              <a:t>’+ </a:t>
+            </a:r>
+            <a:r>
+              <a:rPr lang="en-US" b="1" i="1" dirty="0" smtClean="0">
+                <a:solidFill>
+                  <a:srgbClr val="00B0F0"/>
+                </a:solidFill>
+              </a:rPr>
+              <a:t>y</a:t>
+            </a:r>
+            <a:r>
+              <a:rPr lang="en-US" b="1" dirty="0" smtClean="0">
+                <a:solidFill>
+                  <a:srgbClr val="00B0F0"/>
+                </a:solidFill>
+              </a:rPr>
+              <a:t> + </a:t>
+            </a:r>
+            <a:r>
+              <a:rPr lang="en-US" b="1" i="1" dirty="0" smtClean="0">
+                <a:solidFill>
+                  <a:srgbClr val="00B0F0"/>
+                </a:solidFill>
+              </a:rPr>
+              <a:t>z</a:t>
+            </a:r>
+            <a:r>
+              <a:rPr lang="en-US" b="1" dirty="0" smtClean="0">
+                <a:solidFill>
+                  <a:srgbClr val="00B0F0"/>
+                </a:solidFill>
+              </a:rPr>
+              <a:t>’)</a:t>
+            </a:r>
+            <a:endParaRPr lang="id-ID" dirty="0"/>
+          </a:p>
+        </p:txBody>
+      </p:sp>
+      <p:sp>
+        <p:nvSpPr>
+          <p:cNvPr id="27" name="Rectangle 26"/>
+          <p:cNvSpPr/>
+          <p:nvPr/>
+        </p:nvSpPr>
+        <p:spPr>
+          <a:xfrm>
+            <a:off x="5791200" y="1828800"/>
+            <a:ext cx="1090363" cy="369332"/>
+          </a:xfrm>
+          <a:prstGeom prst="rect">
+            <a:avLst/>
+          </a:prstGeom>
+        </p:spPr>
+        <p:txBody>
+          <a:bodyPr wrap="none">
+            <a:spAutoFit/>
+          </a:bodyPr>
+          <a:lstStyle/>
+          <a:p>
+            <a:r>
+              <a:rPr lang="en-US" b="1" dirty="0" smtClean="0">
+                <a:solidFill>
+                  <a:srgbClr val="7030A0"/>
+                </a:solidFill>
+              </a:rPr>
+              <a:t>(</a:t>
+            </a:r>
+            <a:r>
+              <a:rPr lang="en-US" b="1" i="1" dirty="0" smtClean="0">
+                <a:solidFill>
+                  <a:srgbClr val="7030A0"/>
+                </a:solidFill>
+              </a:rPr>
+              <a:t>x</a:t>
+            </a:r>
+            <a:r>
+              <a:rPr lang="en-US" b="1" dirty="0" smtClean="0">
+                <a:solidFill>
+                  <a:srgbClr val="7030A0"/>
+                </a:solidFill>
+              </a:rPr>
+              <a:t>’+ </a:t>
+            </a:r>
+            <a:r>
+              <a:rPr lang="en-US" b="1" i="1" dirty="0" smtClean="0">
+                <a:solidFill>
+                  <a:srgbClr val="7030A0"/>
+                </a:solidFill>
+              </a:rPr>
+              <a:t>y</a:t>
+            </a:r>
+            <a:r>
+              <a:rPr lang="en-US" b="1" dirty="0" smtClean="0">
+                <a:solidFill>
+                  <a:srgbClr val="7030A0"/>
+                </a:solidFill>
+              </a:rPr>
+              <a:t>’+ </a:t>
+            </a:r>
+            <a:r>
+              <a:rPr lang="en-US" b="1" i="1" dirty="0" smtClean="0">
+                <a:solidFill>
+                  <a:srgbClr val="7030A0"/>
+                </a:solidFill>
+              </a:rPr>
+              <a:t>z</a:t>
+            </a:r>
+            <a:r>
+              <a:rPr lang="en-US" b="1" dirty="0" smtClean="0">
+                <a:solidFill>
+                  <a:srgbClr val="7030A0"/>
+                </a:solidFill>
+              </a:rPr>
+              <a:t>)</a:t>
+            </a:r>
+            <a:endParaRPr lang="id-ID" dirty="0"/>
+          </a:p>
+        </p:txBody>
+      </p:sp>
     </p:spTree>
   </p:cSld>
   <p:clrMapOvr>
